--- a/portfolio_presentation.pptx
+++ b/portfolio_presentation.pptx
@@ -219,7 +219,7 @@
           <a:p>
             <a:fld id="{84B86612-B127-4CD0-BF15-66D49A7175F7}" type="datetimeFigureOut">
               <a:rPr lang="en-IN" smtClean="0"/>
-              <a:t>11-09-2025</a:t>
+              <a:t>19-09-2025</a:t>
             </a:fld>
             <a:endParaRPr lang="en-IN"/>
           </a:p>
@@ -800,7 +800,7 @@
           <a:p>
             <a:fld id="{1D8BD707-D9CF-40AE-B4C6-C98DA3205C09}" type="datetimeFigureOut">
               <a:rPr lang="en-US"/>
-              <a:t>9/11/2025</a:t>
+              <a:t>9/19/2025</a:t>
             </a:fld>
             <a:endParaRPr lang="en-US"/>
           </a:p>
@@ -980,7 +980,7 @@
           <a:p>
             <a:fld id="{1D8BD707-D9CF-40AE-B4C6-C98DA3205C09}" type="datetimeFigureOut">
               <a:rPr lang="en-US"/>
-              <a:t>9/11/2025</a:t>
+              <a:t>9/19/2025</a:t>
             </a:fld>
             <a:endParaRPr lang="en-US"/>
           </a:p>
@@ -1203,7 +1203,7 @@
           <a:p>
             <a:fld id="{1D8BD707-D9CF-40AE-B4C6-C98DA3205C09}" type="datetimeFigureOut">
               <a:rPr lang="en-US"/>
-              <a:t>9/11/2025</a:t>
+              <a:t>9/19/2025</a:t>
             </a:fld>
             <a:endParaRPr lang="en-US"/>
           </a:p>
@@ -1360,7 +1360,7 @@
           <a:p>
             <a:fld id="{1D8BD707-D9CF-40AE-B4C6-C98DA3205C09}" type="datetimeFigureOut">
               <a:rPr lang="en-US"/>
-              <a:t>9/11/2025</a:t>
+              <a:t>9/19/2025</a:t>
             </a:fld>
             <a:endParaRPr lang="en-US"/>
           </a:p>
@@ -1488,7 +1488,7 @@
           <a:p>
             <a:fld id="{1D8BD707-D9CF-40AE-B4C6-C98DA3205C09}" type="datetimeFigureOut">
               <a:rPr lang="en-US"/>
-              <a:t>9/11/2025</a:t>
+              <a:t>9/19/2025</a:t>
             </a:fld>
             <a:endParaRPr lang="en-US"/>
           </a:p>
@@ -2207,7 +2207,7 @@
           <a:p>
             <a:fld id="{1D8BD707-D9CF-40AE-B4C6-C98DA3205C09}" type="datetimeFigureOut">
               <a:rPr lang="en-US"/>
-              <a:t>9/11/2025</a:t>
+              <a:t>9/19/2025</a:t>
             </a:fld>
             <a:endParaRPr lang="en-US"/>
           </a:p>
@@ -2817,13 +2817,46 @@
           <a:p>
             <a:r>
               <a:rPr lang="en-US" sz="2400" dirty="0"/>
-              <a:t>STUDENT NAME: SONALI.V</a:t>
-            </a:r>
-          </a:p>
-          <a:p>
+              <a:t>STUDENT NAME: </a:t>
+            </a:r>
+            <a:r>
+              <a:rPr lang="en-US" sz="2400" dirty="0">
+                <a:solidFill>
+                  <a:schemeClr val="accent5">
+                    <a:lumMod val="50000"/>
+                  </a:schemeClr>
+                </a:solidFill>
+              </a:rPr>
+              <a:t>SONALI</a:t>
+            </a:r>
+            <a:r>
+              <a:rPr lang="en-US" sz="2400" dirty="0">
+                <a:solidFill>
+                  <a:schemeClr val="tx2"/>
+                </a:solidFill>
+              </a:rPr>
+              <a:t> .</a:t>
+            </a:r>
             <a:r>
               <a:rPr lang="en-US" sz="2400" dirty="0"/>
-              <a:t>REGISTER NO AND NMID: asunm1301212402498</a:t>
+              <a:t> </a:t>
+            </a:r>
+            <a:r>
+              <a:rPr lang="en-US" sz="2400" dirty="0">
+                <a:solidFill>
+                  <a:schemeClr val="accent3">
+                    <a:lumMod val="50000"/>
+                  </a:schemeClr>
+                </a:solidFill>
+              </a:rPr>
+              <a:t>V</a:t>
+            </a:r>
+            <a:endParaRPr lang="en-US" sz="2400" dirty="0"/>
+          </a:p>
+          <a:p>
+            <a:r>
+              <a:rPr lang="en-US" sz="2400" dirty="0"/>
+              <a:t>REGISTER NO AND NMID: 9387D9D0117A90A9FF84320D29386674</a:t>
             </a:r>
             <a:endParaRPr lang="en-US" sz="2400" dirty="0">
               <a:cs typeface="Calibri"/>
@@ -3391,14 +3424,13 @@
         </p:nvPicPr>
         <p:blipFill>
           <a:blip r:embed="rId3"/>
-          <a:stretch>
-            <a:fillRect/>
-          </a:stretch>
+          <a:srcRect/>
+          <a:stretch/>
         </p:blipFill>
         <p:spPr>
           <a:xfrm>
-            <a:off x="2303462" y="3101371"/>
-            <a:ext cx="5353050" cy="2736877"/>
+            <a:off x="3739143" y="2909455"/>
+            <a:ext cx="2922254" cy="3742952"/>
           </a:xfrm>
           <a:prstGeom prst="rect">
             <a:avLst/>
@@ -3421,14 +3453,13 @@
         </p:nvPicPr>
         <p:blipFill>
           <a:blip r:embed="rId4"/>
-          <a:stretch>
-            <a:fillRect/>
-          </a:stretch>
+          <a:srcRect/>
+          <a:stretch/>
         </p:blipFill>
         <p:spPr>
           <a:xfrm>
-            <a:off x="7656512" y="3208093"/>
-            <a:ext cx="4343400" cy="2611681"/>
+            <a:off x="6870947" y="2909455"/>
+            <a:ext cx="3065067" cy="3755652"/>
           </a:xfrm>
           <a:prstGeom prst="rect">
             <a:avLst/>
@@ -3820,8 +3851,8 @@
         </p:nvSpPr>
         <p:spPr>
           <a:xfrm>
-            <a:off x="755332" y="385444"/>
-            <a:ext cx="10681335" cy="1477328"/>
+            <a:off x="377666" y="892396"/>
+            <a:ext cx="11436668" cy="3200876"/>
           </a:xfrm>
         </p:spPr>
         <p:txBody>
@@ -3855,8 +3886,71 @@
                   </a:schemeClr>
                 </a:solidFill>
               </a:rPr>
-              <a:t>	https://github.com/24h322-cmd/Myserver.git</a:t>
-            </a:r>
+              <a:t>PROJECT LINK: https://24h322-cmd.github.io/Myserver/</a:t>
+            </a:r>
+            <a:br>
+              <a:rPr lang="en-US" sz="2800" dirty="0">
+                <a:solidFill>
+                  <a:schemeClr val="accent5">
+                    <a:lumMod val="75000"/>
+                  </a:schemeClr>
+                </a:solidFill>
+              </a:rPr>
+            </a:br>
+            <a:br>
+              <a:rPr lang="en-US" sz="2800" dirty="0">
+                <a:solidFill>
+                  <a:schemeClr val="accent5">
+                    <a:lumMod val="75000"/>
+                  </a:schemeClr>
+                </a:solidFill>
+              </a:rPr>
+            </a:br>
+            <a:br>
+              <a:rPr lang="en-US" sz="2800" dirty="0">
+                <a:solidFill>
+                  <a:schemeClr val="accent5">
+                    <a:lumMod val="75000"/>
+                  </a:schemeClr>
+                </a:solidFill>
+              </a:rPr>
+            </a:br>
+            <a:br>
+              <a:rPr lang="en-US" sz="2800" dirty="0">
+                <a:solidFill>
+                  <a:schemeClr val="accent5">
+                    <a:lumMod val="75000"/>
+                  </a:schemeClr>
+                </a:solidFill>
+              </a:rPr>
+            </a:br>
+            <a:r>
+              <a:rPr lang="en-US" sz="2800" dirty="0">
+                <a:solidFill>
+                  <a:schemeClr val="accent5">
+                    <a:lumMod val="75000"/>
+                  </a:schemeClr>
+                </a:solidFill>
+              </a:rPr>
+              <a:t>         </a:t>
+            </a:r>
+            <a:r>
+              <a:rPr lang="en-US" sz="2800" dirty="0">
+                <a:solidFill>
+                  <a:schemeClr val="accent3">
+                    <a:lumMod val="75000"/>
+                  </a:schemeClr>
+                </a:solidFill>
+              </a:rPr>
+              <a:t>GITHUB LINK: https://github.com/24h322-cmd/Myserver.git</a:t>
+            </a:r>
+            <a:endParaRPr lang="en-US" sz="2800" dirty="0">
+              <a:solidFill>
+                <a:schemeClr val="accent5">
+                  <a:lumMod val="75000"/>
+                </a:schemeClr>
+              </a:solidFill>
+            </a:endParaRPr>
           </a:p>
         </p:txBody>
       </p:sp>
@@ -4705,8 +4799,8 @@
         </p:nvSpPr>
         <p:spPr>
           <a:xfrm>
-            <a:off x="3950777" y="2123271"/>
-            <a:ext cx="4019266" cy="1200329"/>
+            <a:off x="2429000" y="3178553"/>
+            <a:ext cx="8999982" cy="646331"/>
           </a:xfrm>
           <a:prstGeom prst="rect">
             <a:avLst/>
@@ -4725,17 +4819,7 @@
                   <a:srgbClr val="7030A0"/>
                 </a:solidFill>
               </a:rPr>
-              <a:t>INTERACTIVE      </a:t>
-            </a:r>
-          </a:p>
-          <a:p>
-            <a:r>
-              <a:rPr lang="en-GB" sz="3600" dirty="0">
-                <a:solidFill>
-                  <a:srgbClr val="7030A0"/>
-                </a:solidFill>
-              </a:rPr>
-              <a:t>DIGITAL  PORTFOLIO</a:t>
+              <a:t>INTERACTIVE  DIGITAL  PORTFOLIO</a:t>
             </a:r>
             <a:endParaRPr lang="en-IN" sz="3600" dirty="0">
               <a:solidFill>
